--- a/PowerPoints/13 - Subprograms.pptx
+++ b/PowerPoints/13 - Subprograms.pptx
@@ -39124,7 +39124,7 @@
         <p:spPr>
           <a:xfrm>
             <a:off x="458787" y="1363663"/>
-            <a:ext cx="8321040" cy="4935537"/>
+            <a:ext cx="8229600" cy="4935537"/>
           </a:xfrm>
         </p:spPr>
         <p:txBody>
@@ -39164,19 +39164,7 @@
               <a:rPr lang="en-US" sz="1800" dirty="0">
                 <a:latin typeface="Consolas" panose="020B0609020204030204" pitchFamily="49" charset="0"/>
               </a:rPr>
-              <a:t>, </a:t>
-            </a:r>
-            <a:r>
-              <a:rPr lang="en-US" sz="1800" dirty="0" err="1">
-                <a:latin typeface="Consolas" panose="020B0609020204030204" pitchFamily="49" charset="0"/>
-              </a:rPr>
-              <a:t>initialValue</a:t>
-            </a:r>
-            <a:r>
-              <a:rPr lang="en-US" sz="1800" dirty="0">
-                <a:latin typeface="Consolas" panose="020B0609020204030204" pitchFamily="49" charset="0"/>
-              </a:rPr>
-              <a:t>,</a:t>
+              <a:t>, initializer,</a:t>
             </a:r>
             <a:br>
               <a:rPr lang="en-US" sz="1800" dirty="0">
@@ -39205,7 +39193,7 @@
               <a:rPr lang="en-US" sz="1800" dirty="0">
                 <a:latin typeface="Consolas" panose="020B0609020204030204" pitchFamily="49" charset="0"/>
               </a:rPr>
-              <a:t>;</a:t>
+              <a:t>);</a:t>
             </a:r>
           </a:p>
           <a:p>

--- a/PowerPoints/13 - Subprograms.pptx
+++ b/PowerPoints/13 - Subprograms.pptx
@@ -25428,7 +25428,18 @@
           <a:p>
             <a:r>
               <a:rPr lang="en-US" dirty="0"/>
-              <a:t>Note that the code for class </a:t>
+              <a:t>When you have a </a:t>
+            </a:r>
+            <a:r>
+              <a:rPr lang="en-US" dirty="0" err="1">
+                <a:latin typeface="Consolas" pitchFamily="49" charset="0"/>
+                <a:cs typeface="Consolas" pitchFamily="49" charset="0"/>
+              </a:rPr>
+              <a:t>VariableExpr</a:t>
+            </a:r>
+            <a:r>
+              <a:rPr lang="en-US" dirty="0"/>
+              <a:t> expression corresponding to a variable parameter, you need to convert it to a </a:t>
             </a:r>
             <a:r>
               <a:rPr lang="en-US" dirty="0">
@@ -25439,29 +25450,7 @@
             </a:r>
             <a:r>
               <a:rPr lang="en-US" dirty="0"/>
-              <a:t> contains a constructor that takes a single </a:t>
-            </a:r>
-            <a:r>
-              <a:rPr lang="en-US" dirty="0" err="1">
-                <a:latin typeface="Consolas" pitchFamily="49" charset="0"/>
-                <a:cs typeface="Consolas" pitchFamily="49" charset="0"/>
-              </a:rPr>
-              <a:t>VariableExpr</a:t>
-            </a:r>
-            <a:r>
-              <a:rPr lang="en-US" dirty="0"/>
-              <a:t> object and uses it to construct a </a:t>
-            </a:r>
-            <a:r>
-              <a:rPr lang="en-US" dirty="0">
-                <a:latin typeface="Consolas" pitchFamily="49" charset="0"/>
-                <a:cs typeface="Consolas" pitchFamily="49" charset="0"/>
-              </a:rPr>
-              <a:t>Variable</a:t>
-            </a:r>
-            <a:r>
-              <a:rPr lang="en-US" dirty="0"/>
-              <a:t> object.</a:t>
+              <a:t>.</a:t>
             </a:r>
           </a:p>
         </p:txBody>
@@ -25610,7 +25599,18 @@
           <a:p>
             <a:r>
               <a:rPr lang="en-US" dirty="0"/>
-              <a:t>When you have a </a:t>
+              <a:t>Note that the code for class </a:t>
+            </a:r>
+            <a:r>
+              <a:rPr lang="en-US" dirty="0">
+                <a:latin typeface="Consolas" pitchFamily="49" charset="0"/>
+                <a:cs typeface="Consolas" pitchFamily="49" charset="0"/>
+              </a:rPr>
+              <a:t>Variable</a:t>
+            </a:r>
+            <a:r>
+              <a:rPr lang="en-US" dirty="0"/>
+              <a:t> contains a constructor that takes a single </a:t>
             </a:r>
             <a:r>
               <a:rPr lang="en-US" dirty="0" err="1">
@@ -25621,7 +25621,7 @@
             </a:r>
             <a:r>
               <a:rPr lang="en-US" dirty="0"/>
-              <a:t> expression corresponding to a variable parameter, you need to convert it to a </a:t>
+              <a:t> object and uses it to construct a </a:t>
             </a:r>
             <a:r>
               <a:rPr lang="en-US" dirty="0">
@@ -25632,7 +25632,7 @@
             </a:r>
             <a:r>
               <a:rPr lang="en-US" dirty="0"/>
-              <a:t>.</a:t>
+              <a:t> object.</a:t>
             </a:r>
           </a:p>
           <a:p>
@@ -25908,7 +25908,7 @@
                 <a:latin typeface="Consolas" pitchFamily="49" charset="0"/>
                 <a:cs typeface="Consolas" pitchFamily="49" charset="0"/>
               </a:rPr>
-              <a:t>for (int i = 0;  i &lt; </a:t>
+              <a:t>for (int i = 0; i &lt; </a:t>
             </a:r>
             <a:r>
               <a:rPr lang="en-US" sz="1800" dirty="0" err="1">
@@ -25922,7 +25922,7 @@
                 <a:latin typeface="Consolas" pitchFamily="49" charset="0"/>
                 <a:cs typeface="Consolas" pitchFamily="49" charset="0"/>
               </a:rPr>
-              <a:t>();  ++i)</a:t>
+              <a:t>(); ++i)</a:t>
             </a:r>
           </a:p>
           <a:p>
@@ -25952,7 +25952,7 @@
                 <a:latin typeface="Consolas" pitchFamily="49" charset="0"/>
                 <a:cs typeface="Consolas" pitchFamily="49" charset="0"/>
               </a:rPr>
-              <a:t>    var expr  = </a:t>
+              <a:t>    var expr = </a:t>
             </a:r>
             <a:r>
               <a:rPr lang="en-US" sz="1800" dirty="0" err="1">
@@ -25981,14 +25981,28 @@
                 <a:latin typeface="Consolas" pitchFamily="49" charset="0"/>
                 <a:cs typeface="Consolas" pitchFamily="49" charset="0"/>
               </a:rPr>
-              <a:t>    var param = </a:t>
+              <a:t>    var </a:t>
             </a:r>
             <a:r>
               <a:rPr lang="en-US" sz="1800" dirty="0" err="1">
                 <a:latin typeface="Consolas" pitchFamily="49" charset="0"/>
                 <a:cs typeface="Consolas" pitchFamily="49" charset="0"/>
               </a:rPr>
-              <a:t>formalParams.get</a:t>
+              <a:t>paramDecl</a:t>
+            </a:r>
+            <a:r>
+              <a:rPr lang="en-US" sz="1800" dirty="0">
+                <a:latin typeface="Consolas" pitchFamily="49" charset="0"/>
+                <a:cs typeface="Consolas" pitchFamily="49" charset="0"/>
+              </a:rPr>
+              <a:t> = </a:t>
+            </a:r>
+            <a:r>
+              <a:rPr lang="en-US" sz="1800" dirty="0" err="1">
+                <a:latin typeface="Consolas" pitchFamily="49" charset="0"/>
+                <a:cs typeface="Consolas" pitchFamily="49" charset="0"/>
+              </a:rPr>
+              <a:t>paramDecls.get</a:t>
             </a:r>
             <a:r>
               <a:rPr lang="en-US" sz="1800" dirty="0">
@@ -26378,7 +26392,7 @@
                 <a:latin typeface="Consolas" pitchFamily="49" charset="0"/>
                 <a:cs typeface="Consolas" pitchFamily="49" charset="0"/>
               </a:rPr>
-              <a:t>param.isVarParam</a:t>
+              <a:t>paramDecl.isVarParam</a:t>
             </a:r>
             <a:r>
               <a:rPr lang="en-US" sz="1800" dirty="0">
@@ -26415,31 +26429,52 @@
                 <a:latin typeface="Consolas" pitchFamily="49" charset="0"/>
                 <a:cs typeface="Consolas" pitchFamily="49" charset="0"/>
               </a:rPr>
-              <a:t>    if (expr </a:t>
-            </a:r>
-            <a:r>
-              <a:rPr lang="en-US" sz="1800" dirty="0" err="1">
+              <a:t>    </a:t>
+            </a:r>
+            <a:r>
+              <a:rPr lang="en-US" sz="1800" b="1" dirty="0">
                 <a:latin typeface="Consolas" pitchFamily="49" charset="0"/>
                 <a:cs typeface="Consolas" pitchFamily="49" charset="0"/>
               </a:rPr>
-              <a:t>instanceof</a:t>
-            </a:r>
-            <a:r>
-              <a:rPr lang="en-US" sz="1800" dirty="0">
+              <a:t>if (expr </a:t>
+            </a:r>
+            <a:r>
+              <a:rPr lang="en-US" sz="1800" b="1" dirty="0" err="1">
                 <a:latin typeface="Consolas" pitchFamily="49" charset="0"/>
                 <a:cs typeface="Consolas" pitchFamily="49" charset="0"/>
               </a:rPr>
-              <a:t> </a:t>
-            </a:r>
-            <a:r>
-              <a:rPr lang="en-US" sz="1800" dirty="0" err="1">
+              <a:t>instanceof</a:t>
+            </a:r>
+            <a:r>
+              <a:rPr lang="en-US" sz="1800" b="1" dirty="0">
                 <a:latin typeface="Consolas" pitchFamily="49" charset="0"/>
                 <a:cs typeface="Consolas" pitchFamily="49" charset="0"/>
               </a:rPr>
+              <a:t> </a:t>
+            </a:r>
+            <a:r>
+              <a:rPr lang="en-US" sz="1800" b="1" dirty="0" err="1">
+                <a:latin typeface="Consolas" pitchFamily="49" charset="0"/>
+                <a:cs typeface="Consolas" pitchFamily="49" charset="0"/>
+              </a:rPr>
               <a:t>VariableExpr</a:t>
             </a:r>
             <a:r>
-              <a:rPr lang="en-US" sz="1800" dirty="0">
+              <a:rPr lang="en-US" sz="1800" b="1" dirty="0">
+                <a:latin typeface="Consolas" pitchFamily="49" charset="0"/>
+                <a:cs typeface="Consolas" pitchFamily="49" charset="0"/>
+              </a:rPr>
+              <a:t> </a:t>
+            </a:r>
+            <a:r>
+              <a:rPr lang="en-US" sz="1800" b="1" dirty="0" err="1">
+                <a:latin typeface="Consolas" pitchFamily="49" charset="0"/>
+                <a:cs typeface="Consolas" pitchFamily="49" charset="0"/>
+              </a:rPr>
+              <a:t>variableExpr</a:t>
+            </a:r>
+            <a:r>
+              <a:rPr lang="en-US" sz="1800" b="1" dirty="0">
                 <a:latin typeface="Consolas" pitchFamily="49" charset="0"/>
                 <a:cs typeface="Consolas" pitchFamily="49" charset="0"/>
               </a:rPr>
@@ -26454,7 +26489,7 @@
               <a:buNone/>
             </a:pPr>
             <a:r>
-              <a:rPr lang="en-US" sz="1800" dirty="0">
+              <a:rPr lang="en-US" sz="1800" b="1" dirty="0">
                 <a:latin typeface="Consolas" pitchFamily="49" charset="0"/>
                 <a:cs typeface="Consolas" pitchFamily="49" charset="0"/>
               </a:rPr>
@@ -26469,25 +26504,11 @@
               <a:buNone/>
             </a:pPr>
             <a:r>
-              <a:rPr lang="en-US" sz="1800" dirty="0">
+              <a:rPr lang="en-US" sz="1800" b="1" dirty="0">
                 <a:latin typeface="Consolas" pitchFamily="49" charset="0"/>
                 <a:cs typeface="Consolas" pitchFamily="49" charset="0"/>
               </a:rPr>
-              <a:t>        // replace </a:t>
-            </a:r>
-            <a:r>
-              <a:rPr lang="en-US" sz="1800" dirty="0" err="1">
-                <a:latin typeface="Consolas" pitchFamily="49" charset="0"/>
-                <a:cs typeface="Consolas" pitchFamily="49" charset="0"/>
-              </a:rPr>
-              <a:t>variale</a:t>
-            </a:r>
-            <a:r>
-              <a:rPr lang="en-US" sz="1800" dirty="0">
-                <a:latin typeface="Consolas" pitchFamily="49" charset="0"/>
-                <a:cs typeface="Consolas" pitchFamily="49" charset="0"/>
-              </a:rPr>
-              <a:t> expression by a variable</a:t>
+              <a:t>        // replace a variable expression by a variable</a:t>
             </a:r>
           </a:p>
           <a:p>
@@ -26498,25 +26519,25 @@
               <a:buNone/>
             </a:pPr>
             <a:r>
-              <a:rPr lang="en-US" sz="1800" dirty="0">
+              <a:rPr lang="en-US" sz="1800" b="1" dirty="0">
                 <a:latin typeface="Consolas" pitchFamily="49" charset="0"/>
                 <a:cs typeface="Consolas" pitchFamily="49" charset="0"/>
               </a:rPr>
-              <a:t>        expr = new Variable((</a:t>
-            </a:r>
-            <a:r>
-              <a:rPr lang="en-US" sz="1800" dirty="0" err="1">
+              <a:t>        expr = new Variable(</a:t>
+            </a:r>
+            <a:r>
+              <a:rPr lang="en-US" sz="1800" b="1" dirty="0" err="1">
                 <a:latin typeface="Consolas" pitchFamily="49" charset="0"/>
                 <a:cs typeface="Consolas" pitchFamily="49" charset="0"/>
               </a:rPr>
-              <a:t>VariableExpr</a:t>
-            </a:r>
-            <a:r>
-              <a:rPr lang="en-US" sz="1800" dirty="0">
+              <a:t>variableExpr</a:t>
+            </a:r>
+            <a:r>
+              <a:rPr lang="en-US" sz="1800" b="1" dirty="0">
                 <a:latin typeface="Consolas" pitchFamily="49" charset="0"/>
                 <a:cs typeface="Consolas" pitchFamily="49" charset="0"/>
               </a:rPr>
-              <a:t>) expr);</a:t>
+              <a:t>);</a:t>
             </a:r>
           </a:p>
           <a:p>
@@ -26527,21 +26548,21 @@
               <a:buNone/>
             </a:pPr>
             <a:r>
-              <a:rPr lang="en-US" sz="1800" dirty="0">
+              <a:rPr lang="en-US" sz="1800" b="1" dirty="0">
                 <a:latin typeface="Consolas" pitchFamily="49" charset="0"/>
                 <a:cs typeface="Consolas" pitchFamily="49" charset="0"/>
               </a:rPr>
               <a:t>        </a:t>
             </a:r>
             <a:r>
-              <a:rPr lang="en-US" sz="1800" dirty="0" err="1">
+              <a:rPr lang="en-US" sz="1800" b="1" dirty="0" err="1">
                 <a:latin typeface="Consolas" pitchFamily="49" charset="0"/>
                 <a:cs typeface="Consolas" pitchFamily="49" charset="0"/>
               </a:rPr>
               <a:t>actualParams.set</a:t>
             </a:r>
             <a:r>
-              <a:rPr lang="en-US" sz="1800" dirty="0">
+              <a:rPr lang="en-US" sz="1800" b="1" dirty="0">
                 <a:latin typeface="Consolas" pitchFamily="49" charset="0"/>
                 <a:cs typeface="Consolas" pitchFamily="49" charset="0"/>
               </a:rPr>
@@ -26556,7 +26577,7 @@
               <a:buNone/>
             </a:pPr>
             <a:r>
-              <a:rPr lang="en-US" sz="1800" dirty="0">
+              <a:rPr lang="en-US" sz="1800" b="1" dirty="0">
                 <a:latin typeface="Consolas" pitchFamily="49" charset="0"/>
                 <a:cs typeface="Consolas" pitchFamily="49" charset="0"/>
               </a:rPr>
@@ -26678,21 +26699,6 @@
                 <a:cs typeface="Consolas" pitchFamily="49" charset="0"/>
               </a:rPr>
               <a:t>);</a:t>
-            </a:r>
-          </a:p>
-          <a:p>
-            <a:pPr marL="0" indent="0">
-              <a:spcBef>
-                <a:spcPts val="100"/>
-              </a:spcBef>
-              <a:buNone/>
-            </a:pPr>
-            <a:r>
-              <a:rPr lang="en-US" sz="1800" dirty="0">
-                <a:latin typeface="Consolas" pitchFamily="49" charset="0"/>
-                <a:cs typeface="Consolas" pitchFamily="49" charset="0"/>
-              </a:rPr>
-              <a:t>      }</a:t>
             </a:r>
           </a:p>
           <a:p>

--- a/PowerPoints/13 - Subprograms.pptx
+++ b/PowerPoints/13 - Subprograms.pptx
@@ -28374,7 +28374,15 @@
           <a:p>
             <a:r>
               <a:rPr lang="en-US" dirty="0"/>
-              <a:t>Similar to what we did global variables, we need to compute the relative address (offset) for each variable plus the total number of bytes of all variables for each subprogram.</a:t>
+              <a:t>Similar to what </a:t>
+            </a:r>
+            <a:r>
+              <a:rPr lang="en-US"/>
+              <a:t>we did for </a:t>
+            </a:r>
+            <a:r>
+              <a:rPr lang="en-US" dirty="0"/>
+              <a:t>global variables, we need to compute the relative address (offset) for each variable plus the total number of bytes of all variables for each subprogram.</a:t>
             </a:r>
           </a:p>
           <a:p>

--- a/PowerPoints/13 - Subprograms.pptx
+++ b/PowerPoints/13 - Subprograms.pptx
@@ -28374,15 +28374,7 @@
           <a:p>
             <a:r>
               <a:rPr lang="en-US" dirty="0"/>
-              <a:t>Similar to what </a:t>
-            </a:r>
-            <a:r>
-              <a:rPr lang="en-US"/>
-              <a:t>we did for </a:t>
-            </a:r>
-            <a:r>
-              <a:rPr lang="en-US" dirty="0"/>
-              <a:t>global variables, we need to compute the relative address (offset) for each variable plus the total number of bytes of all variables for each subprogram.</a:t>
+              <a:t>Similar to what we did with global variables, we need to compute the relative address (offset) for each variable plus the total number of bytes of all variables for each subprogram.</a:t>
             </a:r>
           </a:p>
           <a:p>
@@ -34610,7 +34602,7 @@
               <a:rPr lang="en-US" sz="2250" dirty="0">
                 <a:latin typeface="Consolas" panose="020B0609020204030204" pitchFamily="49" charset="0"/>
               </a:rPr>
-              <a:t>LDDADDR -12</a:t>
+              <a:t>LDLADDR -12</a:t>
             </a:r>
             <a:br>
               <a:rPr lang="en-US" sz="2250" dirty="0">
